--- a/Presentations/3_Abraca-data_End_Sem_Project_Presentation.pptx
+++ b/Presentations/3_Abraca-data_End_Sem_Project_Presentation.pptx
@@ -1307,7 +1307,7 @@
   <p:cSld>
     <p:spTree>
       <p:nvGrpSpPr>
-        <p:cNvPr id="174" name="Shape 174"/>
+        <p:cNvPr id="173" name="Shape 173"/>
         <p:cNvGrpSpPr/>
         <p:nvPr/>
       </p:nvGrpSpPr>
@@ -1321,7 +1321,7 @@
       </p:grpSpPr>
       <p:sp>
         <p:nvSpPr>
-          <p:cNvPr id="175" name="Google Shape;175;g119ae4a8cb5_2_34:notes"/>
+          <p:cNvPr id="174" name="Google Shape;174;g119ae4a8cb5_2_34:notes"/>
           <p:cNvSpPr/>
           <p:nvPr>
             <p:ph idx="2" type="sldImg"/>
@@ -1356,7 +1356,7 @@
       </p:sp>
       <p:sp>
         <p:nvSpPr>
-          <p:cNvPr id="176" name="Google Shape;176;g119ae4a8cb5_2_34:notes"/>
+          <p:cNvPr id="175" name="Google Shape;175;g119ae4a8cb5_2_34:notes"/>
           <p:cNvSpPr txBox="1"/>
           <p:nvPr>
             <p:ph idx="1" type="body"/>
@@ -7750,7 +7750,7 @@
             <a:tbl>
               <a:tblPr>
                 <a:noFill/>
-                <a:tableStyleId>{48723B1F-DBD5-43A4-975A-2A32A76A2347}</a:tableStyleId>
+                <a:tableStyleId>{AFB46C5D-EE26-420C-8D01-A532A53CEA9F}</a:tableStyleId>
               </a:tblPr>
               <a:tblGrid>
                 <a:gridCol w="2976600"/>
@@ -8474,7 +8474,7 @@
             <a:tbl>
               <a:tblPr>
                 <a:noFill/>
-                <a:tableStyleId>{48723B1F-DBD5-43A4-975A-2A32A76A2347}</a:tableStyleId>
+                <a:tableStyleId>{AFB46C5D-EE26-420C-8D01-A532A53CEA9F}</a:tableStyleId>
               </a:tblPr>
               <a:tblGrid>
                 <a:gridCol w="1137550"/>
@@ -9008,101 +9008,6 @@
                           <a:cs typeface="Times New Roman"/>
                           <a:sym typeface="Times New Roman"/>
                         </a:rPr>
-                        <a:t>F2 Score</a:t>
-                      </a:r>
-                      <a:endParaRPr sz="1500">
-                        <a:latin typeface="Times New Roman"/>
-                        <a:ea typeface="Times New Roman"/>
-                        <a:cs typeface="Times New Roman"/>
-                        <a:sym typeface="Times New Roman"/>
-                      </a:endParaRPr>
-                    </a:p>
-                  </a:txBody>
-                  <a:tcPr marT="91425" marB="91425" marR="91425" marL="91425"/>
-                </a:tc>
-                <a:tc>
-                  <a:txBody>
-                    <a:bodyPr/>
-                    <a:lstStyle/>
-                    <a:p>
-                      <a:pPr indent="0" lvl="0" marL="0" rtl="0" algn="l">
-                        <a:spcBef>
-                          <a:spcPts val="0"/>
-                        </a:spcBef>
-                        <a:spcAft>
-                          <a:spcPts val="0"/>
-                        </a:spcAft>
-                        <a:buNone/>
-                      </a:pPr>
-                      <a:r>
-                        <a:rPr lang="en" sz="1500">
-                          <a:latin typeface="Times New Roman"/>
-                          <a:ea typeface="Times New Roman"/>
-                          <a:cs typeface="Times New Roman"/>
-                          <a:sym typeface="Times New Roman"/>
-                        </a:rPr>
-                        <a:t>0.834389</a:t>
-                      </a:r>
-                      <a:endParaRPr sz="1500">
-                        <a:latin typeface="Times New Roman"/>
-                        <a:ea typeface="Times New Roman"/>
-                        <a:cs typeface="Times New Roman"/>
-                        <a:sym typeface="Times New Roman"/>
-                      </a:endParaRPr>
-                    </a:p>
-                  </a:txBody>
-                  <a:tcPr marT="91425" marB="91425" marR="91425" marL="91425"/>
-                </a:tc>
-                <a:tc>
-                  <a:txBody>
-                    <a:bodyPr/>
-                    <a:lstStyle/>
-                    <a:p>
-                      <a:pPr indent="0" lvl="0" marL="0" rtl="0" algn="l">
-                        <a:spcBef>
-                          <a:spcPts val="0"/>
-                        </a:spcBef>
-                        <a:spcAft>
-                          <a:spcPts val="0"/>
-                        </a:spcAft>
-                        <a:buNone/>
-                      </a:pPr>
-                      <a:r>
-                        <a:t/>
-                      </a:r>
-                      <a:endParaRPr sz="1500">
-                        <a:latin typeface="Times New Roman"/>
-                        <a:ea typeface="Times New Roman"/>
-                        <a:cs typeface="Times New Roman"/>
-                        <a:sym typeface="Times New Roman"/>
-                      </a:endParaRPr>
-                    </a:p>
-                  </a:txBody>
-                  <a:tcPr marT="91425" marB="91425" marR="91425" marL="91425"/>
-                </a:tc>
-              </a:tr>
-              <a:tr h="427150">
-                <a:tc>
-                  <a:txBody>
-                    <a:bodyPr/>
-                    <a:lstStyle/>
-                    <a:p>
-                      <a:pPr indent="0" lvl="0" marL="0" rtl="0" algn="l">
-                        <a:spcBef>
-                          <a:spcPts val="0"/>
-                        </a:spcBef>
-                        <a:spcAft>
-                          <a:spcPts val="0"/>
-                        </a:spcAft>
-                        <a:buNone/>
-                      </a:pPr>
-                      <a:r>
-                        <a:rPr lang="en" sz="1500">
-                          <a:latin typeface="Times New Roman"/>
-                          <a:ea typeface="Times New Roman"/>
-                          <a:cs typeface="Times New Roman"/>
-                          <a:sym typeface="Times New Roman"/>
-                        </a:rPr>
                         <a:t>AUC</a:t>
                       </a:r>
                       <a:endParaRPr sz="1500">
@@ -9201,7 +9106,7 @@
             <a:tbl>
               <a:tblPr>
                 <a:noFill/>
-                <a:tableStyleId>{48723B1F-DBD5-43A4-975A-2A32A76A2347}</a:tableStyleId>
+                <a:tableStyleId>{AFB46C5D-EE26-420C-8D01-A532A53CEA9F}</a:tableStyleId>
               </a:tblPr>
               <a:tblGrid>
                 <a:gridCol w="1137550"/>
@@ -9735,101 +9640,6 @@
                           <a:cs typeface="Times New Roman"/>
                           <a:sym typeface="Times New Roman"/>
                         </a:rPr>
-                        <a:t>F2 Score</a:t>
-                      </a:r>
-                      <a:endParaRPr sz="1500">
-                        <a:latin typeface="Times New Roman"/>
-                        <a:ea typeface="Times New Roman"/>
-                        <a:cs typeface="Times New Roman"/>
-                        <a:sym typeface="Times New Roman"/>
-                      </a:endParaRPr>
-                    </a:p>
-                  </a:txBody>
-                  <a:tcPr marT="91425" marB="91425" marR="91425" marL="91425"/>
-                </a:tc>
-                <a:tc>
-                  <a:txBody>
-                    <a:bodyPr/>
-                    <a:lstStyle/>
-                    <a:p>
-                      <a:pPr indent="0" lvl="0" marL="0" rtl="0" algn="l">
-                        <a:spcBef>
-                          <a:spcPts val="0"/>
-                        </a:spcBef>
-                        <a:spcAft>
-                          <a:spcPts val="0"/>
-                        </a:spcAft>
-                        <a:buNone/>
-                      </a:pPr>
-                      <a:r>
-                        <a:rPr lang="en" sz="1500">
-                          <a:latin typeface="Times New Roman"/>
-                          <a:ea typeface="Times New Roman"/>
-                          <a:cs typeface="Times New Roman"/>
-                          <a:sym typeface="Times New Roman"/>
-                        </a:rPr>
-                        <a:t>0.694263</a:t>
-                      </a:r>
-                      <a:endParaRPr sz="1500">
-                        <a:latin typeface="Times New Roman"/>
-                        <a:ea typeface="Times New Roman"/>
-                        <a:cs typeface="Times New Roman"/>
-                        <a:sym typeface="Times New Roman"/>
-                      </a:endParaRPr>
-                    </a:p>
-                  </a:txBody>
-                  <a:tcPr marT="91425" marB="91425" marR="91425" marL="91425"/>
-                </a:tc>
-                <a:tc>
-                  <a:txBody>
-                    <a:bodyPr/>
-                    <a:lstStyle/>
-                    <a:p>
-                      <a:pPr indent="0" lvl="0" marL="0" rtl="0" algn="l">
-                        <a:spcBef>
-                          <a:spcPts val="0"/>
-                        </a:spcBef>
-                        <a:spcAft>
-                          <a:spcPts val="0"/>
-                        </a:spcAft>
-                        <a:buNone/>
-                      </a:pPr>
-                      <a:r>
-                        <a:t/>
-                      </a:r>
-                      <a:endParaRPr sz="1500">
-                        <a:latin typeface="Times New Roman"/>
-                        <a:ea typeface="Times New Roman"/>
-                        <a:cs typeface="Times New Roman"/>
-                        <a:sym typeface="Times New Roman"/>
-                      </a:endParaRPr>
-                    </a:p>
-                  </a:txBody>
-                  <a:tcPr marT="91425" marB="91425" marR="91425" marL="91425"/>
-                </a:tc>
-              </a:tr>
-              <a:tr h="427150">
-                <a:tc>
-                  <a:txBody>
-                    <a:bodyPr/>
-                    <a:lstStyle/>
-                    <a:p>
-                      <a:pPr indent="0" lvl="0" marL="0" rtl="0" algn="l">
-                        <a:spcBef>
-                          <a:spcPts val="0"/>
-                        </a:spcBef>
-                        <a:spcAft>
-                          <a:spcPts val="0"/>
-                        </a:spcAft>
-                        <a:buNone/>
-                      </a:pPr>
-                      <a:r>
-                        <a:rPr lang="en" sz="1500">
-                          <a:latin typeface="Times New Roman"/>
-                          <a:ea typeface="Times New Roman"/>
-                          <a:cs typeface="Times New Roman"/>
-                          <a:sym typeface="Times New Roman"/>
-                        </a:rPr>
                         <a:t>AUC</a:t>
                       </a:r>
                       <a:endParaRPr sz="1500">
@@ -9921,7 +9731,7 @@
         </p:nvSpPr>
         <p:spPr>
           <a:xfrm>
-            <a:off x="1128613" y="4367550"/>
+            <a:off x="1128613" y="4237975"/>
             <a:ext cx="2775900" cy="400200"/>
           </a:xfrm>
           <a:prstGeom prst="rect">
@@ -9973,7 +9783,7 @@
         </p:nvSpPr>
         <p:spPr>
           <a:xfrm>
-            <a:off x="5379738" y="4367550"/>
+            <a:off x="5379738" y="4237975"/>
             <a:ext cx="2775900" cy="400200"/>
           </a:xfrm>
           <a:prstGeom prst="rect">
@@ -10586,10 +10396,10 @@
               <a:buNone/>
             </a:pPr>
             <a:r>
-              <a:rPr lang="en"/>
+              <a:rPr b="1" lang="en"/>
               <a:t>Final Results - AUC/ROC</a:t>
             </a:r>
-            <a:endParaRPr/>
+            <a:endParaRPr b="1"/>
           </a:p>
         </p:txBody>
       </p:sp>
@@ -10991,298 +10801,12 @@
         <p:nvSpPr>
           <p:cNvPr id="172" name="Google Shape;172;p26"/>
           <p:cNvSpPr txBox="1"/>
-          <p:nvPr>
-            <p:ph idx="1" type="body"/>
-          </p:nvPr>
-        </p:nvSpPr>
-        <p:spPr>
-          <a:xfrm>
-            <a:off x="210975" y="1171600"/>
-            <a:ext cx="8890800" cy="3636300"/>
-          </a:xfrm>
-          <a:prstGeom prst="rect">
-            <a:avLst/>
-          </a:prstGeom>
-        </p:spPr>
-        <p:txBody>
-          <a:bodyPr anchorCtr="0" anchor="t" bIns="91425" lIns="91425" spcFirstLastPara="1" rIns="91425" wrap="square" tIns="91425">
-            <a:normAutofit fontScale="77500" lnSpcReduction="20000"/>
-          </a:bodyPr>
-          <a:lstStyle/>
-          <a:p>
-            <a:pPr indent="-340431" lvl="0" marL="457200" rtl="0" algn="l">
-              <a:lnSpc>
-                <a:spcPct val="115000"/>
-              </a:lnSpc>
-              <a:spcBef>
-                <a:spcPts val="0"/>
-              </a:spcBef>
-              <a:spcAft>
-                <a:spcPts val="0"/>
-              </a:spcAft>
-              <a:buSzPct val="100000"/>
-              <a:buChar char="●"/>
-            </a:pPr>
-            <a:r>
-              <a:rPr lang="en" sz="2272"/>
-              <a:t>Comparison between Logistic Regression and kNN</a:t>
-            </a:r>
-            <a:endParaRPr sz="2272"/>
-          </a:p>
-          <a:p>
-            <a:pPr indent="-320747" lvl="1" marL="914400" rtl="0" algn="l">
-              <a:lnSpc>
-                <a:spcPct val="115000"/>
-              </a:lnSpc>
-              <a:spcBef>
-                <a:spcPts val="0"/>
-              </a:spcBef>
-              <a:spcAft>
-                <a:spcPts val="0"/>
-              </a:spcAft>
-              <a:buSzPct val="100000"/>
-              <a:buChar char="○"/>
-            </a:pPr>
-            <a:r>
-              <a:rPr lang="en" sz="1872"/>
-              <a:t>Reasons</a:t>
-            </a:r>
-            <a:endParaRPr sz="1872"/>
-          </a:p>
-          <a:p>
-            <a:pPr indent="-340431" lvl="0" marL="457200" rtl="0" algn="l">
-              <a:lnSpc>
-                <a:spcPct val="115000"/>
-              </a:lnSpc>
-              <a:spcBef>
-                <a:spcPts val="0"/>
-              </a:spcBef>
-              <a:spcAft>
-                <a:spcPts val="0"/>
-              </a:spcAft>
-              <a:buSzPct val="100000"/>
-              <a:buChar char="●"/>
-            </a:pPr>
-            <a:r>
-              <a:rPr lang="en" sz="2272"/>
-              <a:t>SMOTE</a:t>
-            </a:r>
-            <a:endParaRPr sz="2272"/>
-          </a:p>
-          <a:p>
-            <a:pPr indent="-320747" lvl="1" marL="914400" rtl="0" algn="l">
-              <a:lnSpc>
-                <a:spcPct val="115000"/>
-              </a:lnSpc>
-              <a:spcBef>
-                <a:spcPts val="0"/>
-              </a:spcBef>
-              <a:spcAft>
-                <a:spcPts val="0"/>
-              </a:spcAft>
-              <a:buSzPct val="100000"/>
-              <a:buChar char="○"/>
-            </a:pPr>
-            <a:r>
-              <a:rPr lang="en" sz="1872"/>
-              <a:t>Advantages &amp; Disadvantages</a:t>
-            </a:r>
-            <a:endParaRPr sz="1872"/>
-          </a:p>
-          <a:p>
-            <a:pPr indent="-320747" lvl="1" marL="914400" rtl="0" algn="l">
-              <a:lnSpc>
-                <a:spcPct val="115000"/>
-              </a:lnSpc>
-              <a:spcBef>
-                <a:spcPts val="0"/>
-              </a:spcBef>
-              <a:spcAft>
-                <a:spcPts val="0"/>
-              </a:spcAft>
-              <a:buSzPct val="100000"/>
-              <a:buChar char="○"/>
-            </a:pPr>
-            <a:r>
-              <a:rPr lang="en" sz="1872"/>
-              <a:t>Better approaches - Discussion</a:t>
-            </a:r>
-            <a:endParaRPr sz="1872"/>
-          </a:p>
-          <a:p>
-            <a:pPr indent="-340431" lvl="0" marL="457200" rtl="0" algn="l">
-              <a:lnSpc>
-                <a:spcPct val="115000"/>
-              </a:lnSpc>
-              <a:spcBef>
-                <a:spcPts val="0"/>
-              </a:spcBef>
-              <a:spcAft>
-                <a:spcPts val="0"/>
-              </a:spcAft>
-              <a:buSzPct val="100000"/>
-              <a:buChar char="●"/>
-            </a:pPr>
-            <a:r>
-              <a:rPr lang="en" sz="2272"/>
-              <a:t>The effect of PCA on F</a:t>
-            </a:r>
-            <a:r>
-              <a:rPr lang="en" sz="2272"/>
-              <a:t>ramingham Dataset for Coronary Artery Disease Prediction</a:t>
-            </a:r>
-            <a:endParaRPr sz="2272"/>
-          </a:p>
-          <a:p>
-            <a:pPr indent="-320747" lvl="1" marL="914400" rtl="0" algn="l">
-              <a:lnSpc>
-                <a:spcPct val="115000"/>
-              </a:lnSpc>
-              <a:spcBef>
-                <a:spcPts val="0"/>
-              </a:spcBef>
-              <a:spcAft>
-                <a:spcPts val="0"/>
-              </a:spcAft>
-              <a:buSzPct val="100000"/>
-              <a:buChar char="○"/>
-            </a:pPr>
-            <a:r>
-              <a:rPr lang="en" sz="1872"/>
-              <a:t>On kNN &amp; Logistic Regression</a:t>
-            </a:r>
-            <a:endParaRPr sz="1872"/>
-          </a:p>
-          <a:p>
-            <a:pPr indent="-320747" lvl="1" marL="914400" rtl="0" algn="l">
-              <a:lnSpc>
-                <a:spcPct val="115000"/>
-              </a:lnSpc>
-              <a:spcBef>
-                <a:spcPts val="0"/>
-              </a:spcBef>
-              <a:spcAft>
-                <a:spcPts val="0"/>
-              </a:spcAft>
-              <a:buSzPct val="100000"/>
-              <a:buChar char="○"/>
-            </a:pPr>
-            <a:r>
-              <a:rPr lang="en" sz="1872"/>
-              <a:t>On other models</a:t>
-            </a:r>
-            <a:endParaRPr sz="1872"/>
-          </a:p>
-          <a:p>
-            <a:pPr indent="-340431" lvl="0" marL="457200" rtl="0" algn="l">
-              <a:lnSpc>
-                <a:spcPct val="115000"/>
-              </a:lnSpc>
-              <a:spcBef>
-                <a:spcPts val="0"/>
-              </a:spcBef>
-              <a:spcAft>
-                <a:spcPts val="0"/>
-              </a:spcAft>
-              <a:buSzPct val="100000"/>
-              <a:buChar char="●"/>
-            </a:pPr>
-            <a:r>
-              <a:rPr lang="en" sz="2272"/>
-              <a:t>Future work</a:t>
-            </a:r>
-            <a:endParaRPr sz="2272"/>
-          </a:p>
-          <a:p>
-            <a:pPr indent="-320747" lvl="1" marL="914400" rtl="0" algn="l">
-              <a:lnSpc>
-                <a:spcPct val="115000"/>
-              </a:lnSpc>
-              <a:spcBef>
-                <a:spcPts val="0"/>
-              </a:spcBef>
-              <a:spcAft>
-                <a:spcPts val="0"/>
-              </a:spcAft>
-              <a:buSzPct val="100000"/>
-              <a:buChar char="○"/>
-            </a:pPr>
-            <a:r>
-              <a:rPr lang="en" sz="1872"/>
-              <a:t>Models like: Support Vector Machine, Random Forest</a:t>
-            </a:r>
-            <a:endParaRPr sz="1872"/>
-          </a:p>
-          <a:p>
-            <a:pPr indent="-320747" lvl="1" marL="914400" rtl="0" algn="l">
-              <a:lnSpc>
-                <a:spcPct val="115000"/>
-              </a:lnSpc>
-              <a:spcBef>
-                <a:spcPts val="0"/>
-              </a:spcBef>
-              <a:spcAft>
-                <a:spcPts val="0"/>
-              </a:spcAft>
-              <a:buSzPct val="100000"/>
-              <a:buChar char="○"/>
-            </a:pPr>
-            <a:r>
-              <a:rPr lang="en" sz="1872"/>
-              <a:t>Other Feature Extraction techniques - Such as QDA, FLDA</a:t>
-            </a:r>
-            <a:endParaRPr sz="1872"/>
-          </a:p>
-          <a:p>
-            <a:pPr indent="0" lvl="0" marL="457200" rtl="0" algn="l">
-              <a:lnSpc>
-                <a:spcPct val="150000"/>
-              </a:lnSpc>
-              <a:spcBef>
-                <a:spcPts val="1200"/>
-              </a:spcBef>
-              <a:spcAft>
-                <a:spcPts val="0"/>
-              </a:spcAft>
-              <a:buClr>
-                <a:schemeClr val="dk1"/>
-              </a:buClr>
-              <a:buSzPct val="84615"/>
-              <a:buFont typeface="Arial"/>
-              <a:buNone/>
-            </a:pPr>
-            <a:r>
-              <a:t/>
-            </a:r>
-            <a:endParaRPr sz="1300"/>
-          </a:p>
-          <a:p>
-            <a:pPr indent="0" lvl="0" marL="457200" rtl="0" algn="l">
-              <a:spcBef>
-                <a:spcPts val="1200"/>
-              </a:spcBef>
-              <a:spcAft>
-                <a:spcPts val="1200"/>
-              </a:spcAft>
-              <a:buNone/>
-            </a:pPr>
-            <a:r>
-              <a:t/>
-            </a:r>
-            <a:endParaRPr/>
-          </a:p>
-        </p:txBody>
-      </p:sp>
-      <p:sp>
-        <p:nvSpPr>
-          <p:cNvPr id="173" name="Google Shape;173;p26"/>
-          <p:cNvSpPr txBox="1"/>
           <p:nvPr/>
         </p:nvSpPr>
         <p:spPr>
           <a:xfrm>
-            <a:off x="326575" y="4582200"/>
-            <a:ext cx="8520600" cy="369300"/>
+            <a:off x="311700" y="1135925"/>
+            <a:ext cx="8520600" cy="4063500"/>
           </a:xfrm>
           <a:prstGeom prst="rect">
             <a:avLst/>
@@ -11298,6 +10822,314 @@
           </a:bodyPr>
           <a:lstStyle/>
           <a:p>
+            <a:pPr indent="-342900" lvl="0" marL="457200" rtl="0" algn="l">
+              <a:spcBef>
+                <a:spcPts val="0"/>
+              </a:spcBef>
+              <a:spcAft>
+                <a:spcPts val="0"/>
+              </a:spcAft>
+              <a:buSzPts val="1800"/>
+              <a:buFont typeface="Old Standard TT"/>
+              <a:buChar char="●"/>
+            </a:pPr>
+            <a:r>
+              <a:rPr lang="en" sz="1800">
+                <a:latin typeface="Old Standard TT"/>
+                <a:ea typeface="Old Standard TT"/>
+                <a:cs typeface="Old Standard TT"/>
+                <a:sym typeface="Old Standard TT"/>
+              </a:rPr>
+              <a:t>Comparison between Logistic Regression and kNN</a:t>
+            </a:r>
+            <a:endParaRPr sz="1800">
+              <a:latin typeface="Old Standard TT"/>
+              <a:ea typeface="Old Standard TT"/>
+              <a:cs typeface="Old Standard TT"/>
+              <a:sym typeface="Old Standard TT"/>
+            </a:endParaRPr>
+          </a:p>
+          <a:p>
+            <a:pPr indent="-342900" lvl="1" marL="914400" rtl="0" algn="l">
+              <a:spcBef>
+                <a:spcPts val="0"/>
+              </a:spcBef>
+              <a:spcAft>
+                <a:spcPts val="0"/>
+              </a:spcAft>
+              <a:buSzPts val="1800"/>
+              <a:buFont typeface="Old Standard TT"/>
+              <a:buChar char="○"/>
+            </a:pPr>
+            <a:r>
+              <a:rPr lang="en" sz="1800">
+                <a:latin typeface="Old Standard TT"/>
+                <a:ea typeface="Old Standard TT"/>
+                <a:cs typeface="Old Standard TT"/>
+                <a:sym typeface="Old Standard TT"/>
+              </a:rPr>
+              <a:t>Reasons</a:t>
+            </a:r>
+            <a:endParaRPr sz="1800">
+              <a:latin typeface="Old Standard TT"/>
+              <a:ea typeface="Old Standard TT"/>
+              <a:cs typeface="Old Standard TT"/>
+              <a:sym typeface="Old Standard TT"/>
+            </a:endParaRPr>
+          </a:p>
+          <a:p>
+            <a:pPr indent="-342900" lvl="0" marL="457200" rtl="0" algn="l">
+              <a:spcBef>
+                <a:spcPts val="0"/>
+              </a:spcBef>
+              <a:spcAft>
+                <a:spcPts val="0"/>
+              </a:spcAft>
+              <a:buSzPts val="1800"/>
+              <a:buFont typeface="Old Standard TT"/>
+              <a:buChar char="●"/>
+            </a:pPr>
+            <a:r>
+              <a:rPr lang="en" sz="1800">
+                <a:latin typeface="Old Standard TT"/>
+                <a:ea typeface="Old Standard TT"/>
+                <a:cs typeface="Old Standard TT"/>
+                <a:sym typeface="Old Standard TT"/>
+              </a:rPr>
+              <a:t>SMOTE</a:t>
+            </a:r>
+            <a:endParaRPr sz="1800">
+              <a:latin typeface="Old Standard TT"/>
+              <a:ea typeface="Old Standard TT"/>
+              <a:cs typeface="Old Standard TT"/>
+              <a:sym typeface="Old Standard TT"/>
+            </a:endParaRPr>
+          </a:p>
+          <a:p>
+            <a:pPr indent="-342900" lvl="1" marL="914400" rtl="0" algn="l">
+              <a:spcBef>
+                <a:spcPts val="0"/>
+              </a:spcBef>
+              <a:spcAft>
+                <a:spcPts val="0"/>
+              </a:spcAft>
+              <a:buSzPts val="1800"/>
+              <a:buFont typeface="Old Standard TT"/>
+              <a:buChar char="○"/>
+            </a:pPr>
+            <a:r>
+              <a:rPr lang="en" sz="1800">
+                <a:latin typeface="Old Standard TT"/>
+                <a:ea typeface="Old Standard TT"/>
+                <a:cs typeface="Old Standard TT"/>
+                <a:sym typeface="Old Standard TT"/>
+              </a:rPr>
+              <a:t>Advantages &amp; Disadvantages</a:t>
+            </a:r>
+            <a:endParaRPr sz="1800">
+              <a:latin typeface="Old Standard TT"/>
+              <a:ea typeface="Old Standard TT"/>
+              <a:cs typeface="Old Standard TT"/>
+              <a:sym typeface="Old Standard TT"/>
+            </a:endParaRPr>
+          </a:p>
+          <a:p>
+            <a:pPr indent="-342900" lvl="1" marL="914400" rtl="0" algn="l">
+              <a:spcBef>
+                <a:spcPts val="0"/>
+              </a:spcBef>
+              <a:spcAft>
+                <a:spcPts val="0"/>
+              </a:spcAft>
+              <a:buSzPts val="1800"/>
+              <a:buFont typeface="Old Standard TT"/>
+              <a:buChar char="○"/>
+            </a:pPr>
+            <a:r>
+              <a:rPr lang="en" sz="1800">
+                <a:latin typeface="Old Standard TT"/>
+                <a:ea typeface="Old Standard TT"/>
+                <a:cs typeface="Old Standard TT"/>
+                <a:sym typeface="Old Standard TT"/>
+              </a:rPr>
+              <a:t>Better approaches - Discussion</a:t>
+            </a:r>
+            <a:endParaRPr sz="1800">
+              <a:latin typeface="Old Standard TT"/>
+              <a:ea typeface="Old Standard TT"/>
+              <a:cs typeface="Old Standard TT"/>
+              <a:sym typeface="Old Standard TT"/>
+            </a:endParaRPr>
+          </a:p>
+          <a:p>
+            <a:pPr indent="-342900" lvl="0" marL="457200" rtl="0" algn="l">
+              <a:spcBef>
+                <a:spcPts val="0"/>
+              </a:spcBef>
+              <a:spcAft>
+                <a:spcPts val="0"/>
+              </a:spcAft>
+              <a:buSzPts val="1800"/>
+              <a:buFont typeface="Old Standard TT"/>
+              <a:buChar char="●"/>
+            </a:pPr>
+            <a:r>
+              <a:rPr lang="en" sz="1800">
+                <a:latin typeface="Old Standard TT"/>
+                <a:ea typeface="Old Standard TT"/>
+                <a:cs typeface="Old Standard TT"/>
+                <a:sym typeface="Old Standard TT"/>
+              </a:rPr>
+              <a:t>The effect of PCA on Framingham Dataset for Coronary Artery Disease Prediction</a:t>
+            </a:r>
+            <a:endParaRPr sz="1800">
+              <a:latin typeface="Old Standard TT"/>
+              <a:ea typeface="Old Standard TT"/>
+              <a:cs typeface="Old Standard TT"/>
+              <a:sym typeface="Old Standard TT"/>
+            </a:endParaRPr>
+          </a:p>
+          <a:p>
+            <a:pPr indent="-342900" lvl="1" marL="914400" rtl="0" algn="l">
+              <a:spcBef>
+                <a:spcPts val="0"/>
+              </a:spcBef>
+              <a:spcAft>
+                <a:spcPts val="0"/>
+              </a:spcAft>
+              <a:buSzPts val="1800"/>
+              <a:buFont typeface="Old Standard TT"/>
+              <a:buChar char="○"/>
+            </a:pPr>
+            <a:r>
+              <a:rPr lang="en" sz="1800">
+                <a:latin typeface="Old Standard TT"/>
+                <a:ea typeface="Old Standard TT"/>
+                <a:cs typeface="Old Standard TT"/>
+                <a:sym typeface="Old Standard TT"/>
+              </a:rPr>
+              <a:t>On kNN &amp; Logistic Regression</a:t>
+            </a:r>
+            <a:endParaRPr sz="1800">
+              <a:latin typeface="Old Standard TT"/>
+              <a:ea typeface="Old Standard TT"/>
+              <a:cs typeface="Old Standard TT"/>
+              <a:sym typeface="Old Standard TT"/>
+            </a:endParaRPr>
+          </a:p>
+          <a:p>
+            <a:pPr indent="-342900" lvl="1" marL="914400" rtl="0" algn="l">
+              <a:spcBef>
+                <a:spcPts val="0"/>
+              </a:spcBef>
+              <a:spcAft>
+                <a:spcPts val="0"/>
+              </a:spcAft>
+              <a:buSzPts val="1800"/>
+              <a:buFont typeface="Old Standard TT"/>
+              <a:buChar char="○"/>
+            </a:pPr>
+            <a:r>
+              <a:rPr lang="en" sz="1800">
+                <a:latin typeface="Old Standard TT"/>
+                <a:ea typeface="Old Standard TT"/>
+                <a:cs typeface="Old Standard TT"/>
+                <a:sym typeface="Old Standard TT"/>
+              </a:rPr>
+              <a:t>On other models</a:t>
+            </a:r>
+            <a:endParaRPr sz="1800">
+              <a:latin typeface="Old Standard TT"/>
+              <a:ea typeface="Old Standard TT"/>
+              <a:cs typeface="Old Standard TT"/>
+              <a:sym typeface="Old Standard TT"/>
+            </a:endParaRPr>
+          </a:p>
+          <a:p>
+            <a:pPr indent="-342900" lvl="0" marL="457200" rtl="0" algn="l">
+              <a:spcBef>
+                <a:spcPts val="0"/>
+              </a:spcBef>
+              <a:spcAft>
+                <a:spcPts val="0"/>
+              </a:spcAft>
+              <a:buSzPts val="1800"/>
+              <a:buFont typeface="Old Standard TT"/>
+              <a:buChar char="●"/>
+            </a:pPr>
+            <a:r>
+              <a:rPr lang="en" sz="1800">
+                <a:latin typeface="Old Standard TT"/>
+                <a:ea typeface="Old Standard TT"/>
+                <a:cs typeface="Old Standard TT"/>
+                <a:sym typeface="Old Standard TT"/>
+              </a:rPr>
+              <a:t>Future work</a:t>
+            </a:r>
+            <a:endParaRPr sz="1800">
+              <a:latin typeface="Old Standard TT"/>
+              <a:ea typeface="Old Standard TT"/>
+              <a:cs typeface="Old Standard TT"/>
+              <a:sym typeface="Old Standard TT"/>
+            </a:endParaRPr>
+          </a:p>
+          <a:p>
+            <a:pPr indent="-342900" lvl="1" marL="914400" rtl="0" algn="l">
+              <a:spcBef>
+                <a:spcPts val="0"/>
+              </a:spcBef>
+              <a:spcAft>
+                <a:spcPts val="0"/>
+              </a:spcAft>
+              <a:buSzPts val="1800"/>
+              <a:buFont typeface="Old Standard TT"/>
+              <a:buChar char="○"/>
+            </a:pPr>
+            <a:r>
+              <a:rPr lang="en" sz="1800">
+                <a:latin typeface="Old Standard TT"/>
+                <a:ea typeface="Old Standard TT"/>
+                <a:cs typeface="Old Standard TT"/>
+                <a:sym typeface="Old Standard TT"/>
+              </a:rPr>
+              <a:t>Models like: Support Vector Machine, Random Forest</a:t>
+            </a:r>
+            <a:endParaRPr sz="1800">
+              <a:latin typeface="Old Standard TT"/>
+              <a:ea typeface="Old Standard TT"/>
+              <a:cs typeface="Old Standard TT"/>
+              <a:sym typeface="Old Standard TT"/>
+            </a:endParaRPr>
+          </a:p>
+          <a:p>
+            <a:pPr indent="-342900" lvl="1" marL="914400" rtl="0" algn="l">
+              <a:spcBef>
+                <a:spcPts val="0"/>
+              </a:spcBef>
+              <a:spcAft>
+                <a:spcPts val="0"/>
+              </a:spcAft>
+              <a:buSzPts val="1800"/>
+              <a:buFont typeface="Old Standard TT"/>
+              <a:buChar char="○"/>
+            </a:pPr>
+            <a:r>
+              <a:rPr lang="en" sz="1800">
+                <a:latin typeface="Old Standard TT"/>
+                <a:ea typeface="Old Standard TT"/>
+                <a:cs typeface="Old Standard TT"/>
+                <a:sym typeface="Old Standard TT"/>
+              </a:rPr>
+              <a:t>Other Feature Extraction techniques - Such as QDA, FLDA</a:t>
+            </a:r>
+            <a:endParaRPr sz="1800">
+              <a:latin typeface="Old Standard TT"/>
+              <a:ea typeface="Old Standard TT"/>
+              <a:cs typeface="Old Standard TT"/>
+              <a:sym typeface="Old Standard TT"/>
+            </a:endParaRPr>
+          </a:p>
+          <a:p>
             <a:pPr indent="0" lvl="0" marL="0" rtl="0" algn="ctr">
               <a:spcBef>
                 <a:spcPts val="0"/>
@@ -11305,12 +11137,37 @@
               <a:spcAft>
                 <a:spcPts val="0"/>
               </a:spcAft>
+              <a:buClr>
+                <a:schemeClr val="dk1"/>
+              </a:buClr>
+              <a:buSzPts val="1100"/>
+              <a:buFont typeface="Arial"/>
               <a:buNone/>
             </a:pPr>
             <a:r>
               <a:t/>
             </a:r>
-            <a:endParaRPr sz="1200">
+            <a:endParaRPr sz="1800">
+              <a:latin typeface="Old Standard TT"/>
+              <a:ea typeface="Old Standard TT"/>
+              <a:cs typeface="Old Standard TT"/>
+              <a:sym typeface="Old Standard TT"/>
+            </a:endParaRPr>
+          </a:p>
+          <a:p>
+            <a:pPr indent="0" lvl="0" marL="0" rtl="0" algn="ctr">
+              <a:spcBef>
+                <a:spcPts val="0"/>
+              </a:spcBef>
+              <a:spcAft>
+                <a:spcPts val="0"/>
+              </a:spcAft>
+              <a:buNone/>
+            </a:pPr>
+            <a:r>
+              <a:t/>
+            </a:r>
+            <a:endParaRPr sz="1800">
               <a:latin typeface="Old Standard TT"/>
               <a:ea typeface="Old Standard TT"/>
               <a:cs typeface="Old Standard TT"/>
@@ -11332,7 +11189,7 @@
   <p:cSld>
     <p:spTree>
       <p:nvGrpSpPr>
-        <p:cNvPr id="177" name="Shape 177"/>
+        <p:cNvPr id="176" name="Shape 176"/>
         <p:cNvGrpSpPr/>
         <p:nvPr/>
       </p:nvGrpSpPr>
@@ -11346,7 +11203,7 @@
       </p:grpSpPr>
       <p:sp>
         <p:nvSpPr>
-          <p:cNvPr id="178" name="Google Shape;178;p27"/>
+          <p:cNvPr id="177" name="Google Shape;177;p27"/>
           <p:cNvSpPr txBox="1"/>
           <p:nvPr>
             <p:ph type="title"/>
@@ -11377,16 +11234,16 @@
               <a:buNone/>
             </a:pPr>
             <a:r>
-              <a:rPr lang="en"/>
+              <a:rPr b="1" lang="en"/>
               <a:t>References</a:t>
             </a:r>
-            <a:endParaRPr/>
+            <a:endParaRPr b="1"/>
           </a:p>
         </p:txBody>
       </p:sp>
       <p:sp>
         <p:nvSpPr>
-          <p:cNvPr id="179" name="Google Shape;179;p27"/>
+          <p:cNvPr id="178" name="Google Shape;178;p27"/>
           <p:cNvSpPr txBox="1"/>
           <p:nvPr>
             <p:ph idx="1" type="body"/>
